--- a/МКР/МКР_през.pptx
+++ b/МКР/МКР_през.pptx
@@ -6450,6 +6450,149 @@
           </a:xfrm>
         </p:spPr>
       </p:pic>
+      <mc:AlternateContent xmlns:mc="http://schemas.openxmlformats.org/markup-compatibility/2006">
+        <mc:Choice xmlns:a14="http://schemas.microsoft.com/office/drawing/2010/main" Requires="a14">
+          <p:sp>
+            <p:nvSpPr>
+              <p:cNvPr id="5" name="TextBox 4"/>
+              <p:cNvSpPr txBox="1"/>
+              <p:nvPr/>
+            </p:nvSpPr>
+            <p:spPr>
+              <a:xfrm>
+                <a:off x="7130840" y="3758825"/>
+                <a:ext cx="4162697" cy="311304"/>
+              </a:xfrm>
+              <a:prstGeom prst="rect">
+                <a:avLst/>
+              </a:prstGeom>
+              <a:noFill/>
+            </p:spPr>
+            <p:txBody>
+              <a:bodyPr wrap="square" lIns="0" tIns="0" rIns="0" bIns="0" rtlCol="0">
+                <a:spAutoFit/>
+              </a:bodyPr>
+              <a:lstStyle/>
+              <a:p>
+                <a:r>
+                  <a:rPr lang="en-US" sz="2000" i="1" dirty="0" smtClean="0"/>
+                  <a:t>P = </a:t>
+                </a:r>
+                <a:r>
+                  <a:rPr lang="ru-RU" sz="2000" i="1" dirty="0" smtClean="0"/>
+                  <a:t>0.381545</a:t>
+                </a:r>
+                <a14:m>
+                  <m:oMath xmlns:m="http://schemas.openxmlformats.org/officeDocument/2006/math">
+                    <m:sSup>
+                      <m:sSupPr>
+                        <m:ctrlPr>
+                          <a:rPr lang="ru-RU" sz="2000" i="1">
+                            <a:latin typeface="Cambria Math" panose="02040503050406030204" pitchFamily="18" charset="0"/>
+                          </a:rPr>
+                        </m:ctrlPr>
+                      </m:sSupPr>
+                      <m:e>
+                        <m:r>
+                          <a:rPr lang="ru-RU" sz="2000" i="1">
+                            <a:latin typeface="Cambria Math" panose="02040503050406030204" pitchFamily="18" charset="0"/>
+                          </a:rPr>
+                          <m:t>𝑥</m:t>
+                        </m:r>
+                      </m:e>
+                      <m:sup>
+                        <m:r>
+                          <a:rPr lang="ru-RU" sz="2000" i="1">
+                            <a:latin typeface="Cambria Math" panose="02040503050406030204" pitchFamily="18" charset="0"/>
+                          </a:rPr>
+                          <m:t>1.99571736</m:t>
+                        </m:r>
+                      </m:sup>
+                    </m:sSup>
+                  </m:oMath>
+                </a14:m>
+                <a:r>
+                  <a:rPr lang="en-US" sz="2000" dirty="0" smtClean="0"/>
+                  <a:t> </a:t>
+                </a:r>
+                <a:r>
+                  <a:rPr lang="en-US" sz="2000" dirty="0"/>
+                  <a:t>+ 4.51916773</a:t>
+                </a:r>
+                <a:endParaRPr lang="ru-RU" sz="2000" dirty="0"/>
+              </a:p>
+            </p:txBody>
+          </p:sp>
+        </mc:Choice>
+        <mc:Fallback>
+          <p:sp>
+            <p:nvSpPr>
+              <p:cNvPr id="5" name="TextBox 4"/>
+              <p:cNvSpPr txBox="1">
+                <a:spLocks noRot="1" noChangeAspect="1" noMove="1" noResize="1" noEditPoints="1" noAdjustHandles="1" noChangeArrowheads="1" noChangeShapeType="1" noTextEdit="1"/>
+              </p:cNvSpPr>
+              <p:nvPr/>
+            </p:nvSpPr>
+            <p:spPr>
+              <a:xfrm>
+                <a:off x="7130840" y="3758825"/>
+                <a:ext cx="4162697" cy="311304"/>
+              </a:xfrm>
+              <a:prstGeom prst="rect">
+                <a:avLst/>
+              </a:prstGeom>
+              <a:blipFill>
+                <a:blip r:embed="rId3"/>
+                <a:stretch>
+                  <a:fillRect l="-3807" t="-23529" b="-49020"/>
+                </a:stretch>
+              </a:blipFill>
+            </p:spPr>
+            <p:txBody>
+              <a:bodyPr/>
+              <a:lstStyle/>
+              <a:p>
+                <a:r>
+                  <a:rPr lang="ru-RU">
+                    <a:noFill/>
+                  </a:rPr>
+                  <a:t> </a:t>
+                </a:r>
+              </a:p>
+            </p:txBody>
+          </p:sp>
+        </mc:Fallback>
+      </mc:AlternateContent>
+      <p:sp>
+        <p:nvSpPr>
+          <p:cNvPr id="6" name="TextBox 5"/>
+          <p:cNvSpPr txBox="1"/>
+          <p:nvPr/>
+        </p:nvSpPr>
+        <p:spPr>
+          <a:xfrm>
+            <a:off x="8307977" y="2991394"/>
+            <a:ext cx="1228221" cy="523220"/>
+          </a:xfrm>
+          <a:prstGeom prst="rect">
+            <a:avLst/>
+          </a:prstGeom>
+          <a:noFill/>
+        </p:spPr>
+        <p:txBody>
+          <a:bodyPr wrap="none" rtlCol="0">
+            <a:spAutoFit/>
+          </a:bodyPr>
+          <a:lstStyle/>
+          <a:p>
+            <a:r>
+              <a:rPr lang="en-US" sz="2800" dirty="0" smtClean="0"/>
+              <a:t>T=1.75</a:t>
+            </a:r>
+            <a:endParaRPr lang="ru-RU" sz="2800" dirty="0"/>
+          </a:p>
+        </p:txBody>
+      </p:sp>
     </p:spTree>
     <p:extLst>
       <p:ext uri="{BB962C8B-B14F-4D97-AF65-F5344CB8AC3E}">
@@ -6537,6 +6680,149 @@
           </a:xfrm>
         </p:spPr>
       </p:pic>
+      <mc:AlternateContent xmlns:mc="http://schemas.openxmlformats.org/markup-compatibility/2006">
+        <mc:Choice xmlns:a14="http://schemas.microsoft.com/office/drawing/2010/main" Requires="a14">
+          <p:sp>
+            <p:nvSpPr>
+              <p:cNvPr id="6" name="TextBox 5"/>
+              <p:cNvSpPr txBox="1"/>
+              <p:nvPr/>
+            </p:nvSpPr>
+            <p:spPr>
+              <a:xfrm>
+                <a:off x="7174774" y="3821171"/>
+                <a:ext cx="4162697" cy="307777"/>
+              </a:xfrm>
+              <a:prstGeom prst="rect">
+                <a:avLst/>
+              </a:prstGeom>
+              <a:noFill/>
+            </p:spPr>
+            <p:txBody>
+              <a:bodyPr wrap="square" lIns="0" tIns="0" rIns="0" bIns="0" rtlCol="0">
+                <a:spAutoFit/>
+              </a:bodyPr>
+              <a:lstStyle/>
+              <a:p>
+                <a:r>
+                  <a:rPr lang="en-US" sz="2000" i="1" dirty="0" smtClean="0"/>
+                  <a:t>P = </a:t>
+                </a:r>
+                <a:r>
+                  <a:rPr lang="ru-RU" sz="2000" i="1" dirty="0"/>
+                  <a:t>0.38763412</a:t>
+                </a:r>
+                <a14:m>
+                  <m:oMath xmlns:m="http://schemas.openxmlformats.org/officeDocument/2006/math">
+                    <m:sSup>
+                      <m:sSupPr>
+                        <m:ctrlPr>
+                          <a:rPr lang="ru-RU" sz="2000" i="1">
+                            <a:latin typeface="Cambria Math" panose="02040503050406030204" pitchFamily="18" charset="0"/>
+                          </a:rPr>
+                        </m:ctrlPr>
+                      </m:sSupPr>
+                      <m:e>
+                        <m:r>
+                          <a:rPr lang="ru-RU" sz="2000" i="1">
+                            <a:latin typeface="Cambria Math" panose="02040503050406030204" pitchFamily="18" charset="0"/>
+                          </a:rPr>
+                          <m:t>𝑥</m:t>
+                        </m:r>
+                      </m:e>
+                      <m:sup>
+                        <m:r>
+                          <a:rPr lang="ru-RU" sz="2000" i="1">
+                            <a:latin typeface="Cambria Math" panose="02040503050406030204" pitchFamily="18" charset="0"/>
+                          </a:rPr>
+                          <m:t>2.00423884</m:t>
+                        </m:r>
+                      </m:sup>
+                    </m:sSup>
+                  </m:oMath>
+                </a14:m>
+                <a:r>
+                  <a:rPr lang="en-US" sz="2000" dirty="0" smtClean="0"/>
+                  <a:t> </a:t>
+                </a:r>
+                <a:r>
+                  <a:rPr lang="en-US" sz="2000" dirty="0"/>
+                  <a:t>+ 0.00725958</a:t>
+                </a:r>
+                <a:endParaRPr lang="ru-RU" sz="2000" dirty="0"/>
+              </a:p>
+            </p:txBody>
+          </p:sp>
+        </mc:Choice>
+        <mc:Fallback>
+          <p:sp>
+            <p:nvSpPr>
+              <p:cNvPr id="6" name="TextBox 5"/>
+              <p:cNvSpPr txBox="1">
+                <a:spLocks noRot="1" noChangeAspect="1" noMove="1" noResize="1" noEditPoints="1" noAdjustHandles="1" noChangeArrowheads="1" noChangeShapeType="1" noTextEdit="1"/>
+              </p:cNvSpPr>
+              <p:nvPr/>
+            </p:nvSpPr>
+            <p:spPr>
+              <a:xfrm>
+                <a:off x="7174774" y="3821171"/>
+                <a:ext cx="4162697" cy="307777"/>
+              </a:xfrm>
+              <a:prstGeom prst="rect">
+                <a:avLst/>
+              </a:prstGeom>
+              <a:blipFill>
+                <a:blip r:embed="rId3"/>
+                <a:stretch>
+                  <a:fillRect l="-3807" t="-24000" r="-3660" b="-52000"/>
+                </a:stretch>
+              </a:blipFill>
+            </p:spPr>
+            <p:txBody>
+              <a:bodyPr/>
+              <a:lstStyle/>
+              <a:p>
+                <a:r>
+                  <a:rPr lang="ru-RU">
+                    <a:noFill/>
+                  </a:rPr>
+                  <a:t> </a:t>
+                </a:r>
+              </a:p>
+            </p:txBody>
+          </p:sp>
+        </mc:Fallback>
+      </mc:AlternateContent>
+      <p:sp>
+        <p:nvSpPr>
+          <p:cNvPr id="7" name="TextBox 6"/>
+          <p:cNvSpPr txBox="1"/>
+          <p:nvPr/>
+        </p:nvSpPr>
+        <p:spPr>
+          <a:xfrm>
+            <a:off x="8307977" y="2991394"/>
+            <a:ext cx="1901483" cy="523220"/>
+          </a:xfrm>
+          <a:prstGeom prst="rect">
+            <a:avLst/>
+          </a:prstGeom>
+          <a:noFill/>
+        </p:spPr>
+        <p:txBody>
+          <a:bodyPr wrap="none" rtlCol="0">
+            <a:spAutoFit/>
+          </a:bodyPr>
+          <a:lstStyle/>
+          <a:p>
+            <a:r>
+              <a:rPr lang="en-US" sz="2800" dirty="0" smtClean="0"/>
+              <a:t>T=1.799999</a:t>
+            </a:r>
+            <a:endParaRPr lang="ru-RU" sz="2800" dirty="0"/>
+          </a:p>
+        </p:txBody>
+      </p:sp>
     </p:spTree>
     <p:extLst>
       <p:ext uri="{BB962C8B-B14F-4D97-AF65-F5344CB8AC3E}">
@@ -6624,6 +6910,149 @@
           </a:xfrm>
         </p:spPr>
       </p:pic>
+      <mc:AlternateContent xmlns:mc="http://schemas.openxmlformats.org/markup-compatibility/2006">
+        <mc:Choice xmlns:a14="http://schemas.microsoft.com/office/drawing/2010/main" Requires="a14">
+          <p:sp>
+            <p:nvSpPr>
+              <p:cNvPr id="6" name="TextBox 5"/>
+              <p:cNvSpPr txBox="1"/>
+              <p:nvPr/>
+            </p:nvSpPr>
+            <p:spPr>
+              <a:xfrm>
+                <a:off x="7156238" y="3828569"/>
+                <a:ext cx="4162697" cy="307777"/>
+              </a:xfrm>
+              <a:prstGeom prst="rect">
+                <a:avLst/>
+              </a:prstGeom>
+              <a:noFill/>
+            </p:spPr>
+            <p:txBody>
+              <a:bodyPr wrap="square" lIns="0" tIns="0" rIns="0" bIns="0" rtlCol="0">
+                <a:spAutoFit/>
+              </a:bodyPr>
+              <a:lstStyle/>
+              <a:p>
+                <a:r>
+                  <a:rPr lang="en-US" sz="2000" i="1" dirty="0" smtClean="0"/>
+                  <a:t>P = </a:t>
+                </a:r>
+                <a:r>
+                  <a:rPr lang="ru-RU" sz="2000" i="1" dirty="0"/>
+                  <a:t>0.24484482</a:t>
+                </a:r>
+                <a14:m>
+                  <m:oMath xmlns:m="http://schemas.openxmlformats.org/officeDocument/2006/math">
+                    <m:sSup>
+                      <m:sSupPr>
+                        <m:ctrlPr>
+                          <a:rPr lang="ru-RU" sz="2000" i="1">
+                            <a:latin typeface="Cambria Math" panose="02040503050406030204" pitchFamily="18" charset="0"/>
+                          </a:rPr>
+                        </m:ctrlPr>
+                      </m:sSupPr>
+                      <m:e>
+                        <m:r>
+                          <a:rPr lang="ru-RU" sz="2000" i="1">
+                            <a:latin typeface="Cambria Math" panose="02040503050406030204" pitchFamily="18" charset="0"/>
+                          </a:rPr>
+                          <m:t>𝑥</m:t>
+                        </m:r>
+                      </m:e>
+                      <m:sup>
+                        <m:r>
+                          <a:rPr lang="ru-RU" sz="2000" i="1">
+                            <a:latin typeface="Cambria Math" panose="02040503050406030204" pitchFamily="18" charset="0"/>
+                          </a:rPr>
+                          <m:t>1.99948763</m:t>
+                        </m:r>
+                      </m:sup>
+                    </m:sSup>
+                  </m:oMath>
+                </a14:m>
+                <a:r>
+                  <a:rPr lang="en-US" sz="2000" dirty="0" smtClean="0"/>
+                  <a:t> </a:t>
+                </a:r>
+                <a:r>
+                  <a:rPr lang="en-US" sz="2000" dirty="0"/>
+                  <a:t>+ 0.70602179</a:t>
+                </a:r>
+                <a:endParaRPr lang="ru-RU" sz="2000" dirty="0"/>
+              </a:p>
+            </p:txBody>
+          </p:sp>
+        </mc:Choice>
+        <mc:Fallback>
+          <p:sp>
+            <p:nvSpPr>
+              <p:cNvPr id="6" name="TextBox 5"/>
+              <p:cNvSpPr txBox="1">
+                <a:spLocks noRot="1" noChangeAspect="1" noMove="1" noResize="1" noEditPoints="1" noAdjustHandles="1" noChangeArrowheads="1" noChangeShapeType="1" noTextEdit="1"/>
+              </p:cNvSpPr>
+              <p:nvPr/>
+            </p:nvSpPr>
+            <p:spPr>
+              <a:xfrm>
+                <a:off x="7156238" y="3828569"/>
+                <a:ext cx="4162697" cy="307777"/>
+              </a:xfrm>
+              <a:prstGeom prst="rect">
+                <a:avLst/>
+              </a:prstGeom>
+              <a:blipFill>
+                <a:blip r:embed="rId3"/>
+                <a:stretch>
+                  <a:fillRect l="-3807" t="-23529" r="-3221" b="-50980"/>
+                </a:stretch>
+              </a:blipFill>
+            </p:spPr>
+            <p:txBody>
+              <a:bodyPr/>
+              <a:lstStyle/>
+              <a:p>
+                <a:r>
+                  <a:rPr lang="ru-RU">
+                    <a:noFill/>
+                  </a:rPr>
+                  <a:t> </a:t>
+                </a:r>
+              </a:p>
+            </p:txBody>
+          </p:sp>
+        </mc:Fallback>
+      </mc:AlternateContent>
+      <p:sp>
+        <p:nvSpPr>
+          <p:cNvPr id="8" name="TextBox 7"/>
+          <p:cNvSpPr txBox="1"/>
+          <p:nvPr/>
+        </p:nvSpPr>
+        <p:spPr>
+          <a:xfrm>
+            <a:off x="8307977" y="2991394"/>
+            <a:ext cx="1228221" cy="523220"/>
+          </a:xfrm>
+          <a:prstGeom prst="rect">
+            <a:avLst/>
+          </a:prstGeom>
+          <a:noFill/>
+        </p:spPr>
+        <p:txBody>
+          <a:bodyPr wrap="none" rtlCol="0">
+            <a:spAutoFit/>
+          </a:bodyPr>
+          <a:lstStyle/>
+          <a:p>
+            <a:r>
+              <a:rPr lang="en-US" sz="2800" dirty="0" smtClean="0"/>
+              <a:t>T=1.85</a:t>
+            </a:r>
+            <a:endParaRPr lang="ru-RU" sz="2800" dirty="0"/>
+          </a:p>
+        </p:txBody>
+      </p:sp>
     </p:spTree>
     <p:extLst>
       <p:ext uri="{BB962C8B-B14F-4D97-AF65-F5344CB8AC3E}">

--- a/МКР/МКР_през.pptx
+++ b/МКР/МКР_през.pptx
@@ -7,10 +7,11 @@
   <p:sldIdLst>
     <p:sldId id="256" r:id="rId2"/>
     <p:sldId id="257" r:id="rId3"/>
-    <p:sldId id="258" r:id="rId4"/>
-    <p:sldId id="259" r:id="rId5"/>
-    <p:sldId id="260" r:id="rId6"/>
-    <p:sldId id="261" r:id="rId7"/>
+    <p:sldId id="262" r:id="rId4"/>
+    <p:sldId id="258" r:id="rId5"/>
+    <p:sldId id="259" r:id="rId6"/>
+    <p:sldId id="260" r:id="rId7"/>
+    <p:sldId id="261" r:id="rId8"/>
   </p:sldIdLst>
   <p:sldSz cx="12192000" cy="6858000"/>
   <p:notesSz cx="6858000" cy="9144000"/>
@@ -6318,6 +6319,93 @@
         </p:nvSpPr>
         <p:spPr>
           <a:xfrm>
+            <a:off x="1295402" y="603311"/>
+            <a:ext cx="9601196" cy="1303867"/>
+          </a:xfrm>
+        </p:spPr>
+        <p:txBody>
+          <a:bodyPr/>
+          <a:lstStyle/>
+          <a:p>
+            <a:r>
+              <a:rPr lang="ru-RU" dirty="0" smtClean="0"/>
+              <a:t>Фазовый переход</a:t>
+            </a:r>
+            <a:endParaRPr lang="ru-RU" dirty="0"/>
+          </a:p>
+        </p:txBody>
+      </p:sp>
+      <p:pic>
+        <p:nvPicPr>
+          <p:cNvPr id="4" name="Объект 3"/>
+          <p:cNvPicPr>
+            <a:picLocks noGrp="1" noChangeAspect="1"/>
+          </p:cNvPicPr>
+          <p:nvPr>
+            <p:ph idx="1"/>
+          </p:nvPr>
+        </p:nvPicPr>
+        <p:blipFill>
+          <a:blip r:embed="rId2">
+            <a:extLst>
+              <a:ext uri="{28A0092B-C50C-407E-A947-70E740481C1C}">
+                <a14:useLocalDpi xmlns:a14="http://schemas.microsoft.com/office/drawing/2010/main" val="0"/>
+              </a:ext>
+            </a:extLst>
+          </a:blip>
+          <a:stretch>
+            <a:fillRect/>
+          </a:stretch>
+        </p:blipFill>
+        <p:spPr>
+          <a:xfrm>
+            <a:off x="2884502" y="1502229"/>
+            <a:ext cx="6422996" cy="4817247"/>
+          </a:xfrm>
+        </p:spPr>
+      </p:pic>
+    </p:spTree>
+    <p:extLst>
+      <p:ext uri="{BB962C8B-B14F-4D97-AF65-F5344CB8AC3E}">
+        <p14:creationId xmlns:p14="http://schemas.microsoft.com/office/powerpoint/2010/main" val="3045213119"/>
+      </p:ext>
+    </p:extLst>
+  </p:cSld>
+  <p:clrMapOvr>
+    <a:masterClrMapping/>
+  </p:clrMapOvr>
+</p:sld>
+</file>
+
+<file path=ppt/slides/slide4.xml><?xml version="1.0" encoding="utf-8"?>
+<p:sld xmlns:a="http://schemas.openxmlformats.org/drawingml/2006/main" xmlns:r="http://schemas.openxmlformats.org/officeDocument/2006/relationships" xmlns:p="http://schemas.openxmlformats.org/presentationml/2006/main">
+  <p:cSld>
+    <p:spTree>
+      <p:nvGrpSpPr>
+        <p:cNvPr id="1" name=""/>
+        <p:cNvGrpSpPr/>
+        <p:nvPr/>
+      </p:nvGrpSpPr>
+      <p:grpSpPr>
+        <a:xfrm>
+          <a:off x="0" y="0"/>
+          <a:ext cx="0" cy="0"/>
+          <a:chOff x="0" y="0"/>
+          <a:chExt cx="0" cy="0"/>
+        </a:xfrm>
+      </p:grpSpPr>
+      <p:sp>
+        <p:nvSpPr>
+          <p:cNvPr id="2" name="Заголовок 1"/>
+          <p:cNvSpPr>
+            <a:spLocks noGrp="1"/>
+          </p:cNvSpPr>
+          <p:nvPr>
+            <p:ph type="title"/>
+          </p:nvPr>
+        </p:nvSpPr>
+        <p:spPr>
+          <a:xfrm>
             <a:off x="1282339" y="677202"/>
             <a:ext cx="9601196" cy="1303867"/>
           </a:xfrm>
@@ -6376,7 +6464,7 @@
 </p:sld>
 </file>
 
-<file path=ppt/slides/slide4.xml><?xml version="1.0" encoding="utf-8"?>
+<file path=ppt/slides/slide5.xml><?xml version="1.0" encoding="utf-8"?>
 <p:sld xmlns:a="http://schemas.openxmlformats.org/drawingml/2006/main" xmlns:r="http://schemas.openxmlformats.org/officeDocument/2006/relationships" xmlns:p="http://schemas.openxmlformats.org/presentationml/2006/main">
   <p:cSld>
     <p:spTree>
@@ -6606,7 +6694,7 @@
 </p:sld>
 </file>
 
-<file path=ppt/slides/slide5.xml><?xml version="1.0" encoding="utf-8"?>
+<file path=ppt/slides/slide6.xml><?xml version="1.0" encoding="utf-8"?>
 <p:sld xmlns:a="http://schemas.openxmlformats.org/drawingml/2006/main" xmlns:r="http://schemas.openxmlformats.org/officeDocument/2006/relationships" xmlns:p="http://schemas.openxmlformats.org/presentationml/2006/main">
   <p:cSld>
     <p:spTree>
@@ -6836,7 +6924,7 @@
 </p:sld>
 </file>
 
-<file path=ppt/slides/slide6.xml><?xml version="1.0" encoding="utf-8"?>
+<file path=ppt/slides/slide7.xml><?xml version="1.0" encoding="utf-8"?>
 <p:sld xmlns:a="http://schemas.openxmlformats.org/drawingml/2006/main" xmlns:r="http://schemas.openxmlformats.org/officeDocument/2006/relationships" xmlns:p="http://schemas.openxmlformats.org/presentationml/2006/main">
   <p:cSld>
     <p:spTree>

--- a/МКР/МКР_през.pptx
+++ b/МКР/МКР_през.pptx
@@ -7,11 +7,14 @@
   <p:sldIdLst>
     <p:sldId id="256" r:id="rId2"/>
     <p:sldId id="257" r:id="rId3"/>
-    <p:sldId id="262" r:id="rId4"/>
-    <p:sldId id="258" r:id="rId5"/>
-    <p:sldId id="259" r:id="rId6"/>
-    <p:sldId id="260" r:id="rId7"/>
-    <p:sldId id="261" r:id="rId8"/>
+    <p:sldId id="263" r:id="rId4"/>
+    <p:sldId id="264" r:id="rId5"/>
+    <p:sldId id="265" r:id="rId6"/>
+    <p:sldId id="262" r:id="rId7"/>
+    <p:sldId id="258" r:id="rId8"/>
+    <p:sldId id="259" r:id="rId9"/>
+    <p:sldId id="260" r:id="rId10"/>
+    <p:sldId id="261" r:id="rId11"/>
   </p:sldIdLst>
   <p:sldSz cx="12192000" cy="6858000"/>
   <p:notesSz cx="6858000" cy="9144000"/>
@@ -110,6 +113,11 @@
       </a:defRPr>
     </a:lvl9pPr>
   </p:defaultTextStyle>
+  <p:extLst>
+    <p:ext uri="{EFAFB233-063F-42B5-8137-9DF3F51BA10A}">
+      <p15:sldGuideLst xmlns:p15="http://schemas.microsoft.com/office/powerpoint/2012/main"/>
+    </p:ext>
+  </p:extLst>
 </p:presentation>
 </file>
 
@@ -445,7 +453,7 @@
             <a:fld id="{48A87A34-81AB-432B-8DAE-1953F412C126}" type="datetimeFigureOut">
               <a:rPr lang="en-US" smtClean="0"/>
               <a:pPr/>
-              <a:t>5/16/2017</a:t>
+              <a:t>5/17/2017</a:t>
             </a:fld>
             <a:endParaRPr lang="en-US" dirty="0"/>
           </a:p>
@@ -771,7 +779,7 @@
             <a:fld id="{48A87A34-81AB-432B-8DAE-1953F412C126}" type="datetimeFigureOut">
               <a:rPr lang="en-US" smtClean="0"/>
               <a:pPr/>
-              <a:t>5/16/2017</a:t>
+              <a:t>5/17/2017</a:t>
             </a:fld>
             <a:endParaRPr lang="en-US" dirty="0"/>
           </a:p>
@@ -1021,7 +1029,7 @@
             <a:fld id="{48A87A34-81AB-432B-8DAE-1953F412C126}" type="datetimeFigureOut">
               <a:rPr lang="en-US" smtClean="0"/>
               <a:pPr/>
-              <a:t>5/16/2017</a:t>
+              <a:t>5/17/2017</a:t>
             </a:fld>
             <a:endParaRPr lang="en-US" dirty="0"/>
           </a:p>
@@ -1362,7 +1370,7 @@
             <a:fld id="{48A87A34-81AB-432B-8DAE-1953F412C126}" type="datetimeFigureOut">
               <a:rPr lang="en-US" smtClean="0"/>
               <a:pPr/>
-              <a:t>5/16/2017</a:t>
+              <a:t>5/17/2017</a:t>
             </a:fld>
             <a:endParaRPr lang="en-US" dirty="0"/>
           </a:p>
@@ -1711,7 +1719,7 @@
             <a:fld id="{48A87A34-81AB-432B-8DAE-1953F412C126}" type="datetimeFigureOut">
               <a:rPr lang="en-US" smtClean="0"/>
               <a:pPr/>
-              <a:t>5/16/2017</a:t>
+              <a:t>5/17/2017</a:t>
             </a:fld>
             <a:endParaRPr lang="en-US" dirty="0"/>
           </a:p>
@@ -2087,7 +2095,7 @@
             <a:fld id="{48A87A34-81AB-432B-8DAE-1953F412C126}" type="datetimeFigureOut">
               <a:rPr lang="en-US" smtClean="0"/>
               <a:pPr/>
-              <a:t>5/16/2017</a:t>
+              <a:t>5/17/2017</a:t>
             </a:fld>
             <a:endParaRPr lang="en-US" dirty="0"/>
           </a:p>
@@ -2559,7 +2567,7 @@
             <a:fld id="{48A87A34-81AB-432B-8DAE-1953F412C126}" type="datetimeFigureOut">
               <a:rPr lang="en-US" smtClean="0"/>
               <a:pPr/>
-              <a:t>5/16/2017</a:t>
+              <a:t>5/17/2017</a:t>
             </a:fld>
             <a:endParaRPr lang="en-US" dirty="0"/>
           </a:p>
@@ -2766,7 +2774,7 @@
             <a:fld id="{48A87A34-81AB-432B-8DAE-1953F412C126}" type="datetimeFigureOut">
               <a:rPr lang="en-US" smtClean="0"/>
               <a:pPr/>
-              <a:t>5/16/2017</a:t>
+              <a:t>5/17/2017</a:t>
             </a:fld>
             <a:endParaRPr lang="en-US" dirty="0"/>
           </a:p>
@@ -2979,7 +2987,7 @@
             <a:fld id="{48A87A34-81AB-432B-8DAE-1953F412C126}" type="datetimeFigureOut">
               <a:rPr lang="en-US" smtClean="0"/>
               <a:pPr/>
-              <a:t>5/16/2017</a:t>
+              <a:t>5/17/2017</a:t>
             </a:fld>
             <a:endParaRPr lang="en-US" dirty="0"/>
           </a:p>
@@ -3213,7 +3221,7 @@
             <a:fld id="{48A87A34-81AB-432B-8DAE-1953F412C126}" type="datetimeFigureOut">
               <a:rPr lang="en-US" smtClean="0"/>
               <a:pPr/>
-              <a:t>5/16/2017</a:t>
+              <a:t>5/17/2017</a:t>
             </a:fld>
             <a:endParaRPr lang="en-US" dirty="0"/>
           </a:p>
@@ -3463,7 +3471,7 @@
             <a:fld id="{48A87A34-81AB-432B-8DAE-1953F412C126}" type="datetimeFigureOut">
               <a:rPr lang="en-US" smtClean="0"/>
               <a:pPr/>
-              <a:t>5/16/2017</a:t>
+              <a:t>5/17/2017</a:t>
             </a:fld>
             <a:endParaRPr lang="en-US" dirty="0"/>
           </a:p>
@@ -3763,7 +3771,7 @@
             <a:fld id="{48A87A34-81AB-432B-8DAE-1953F412C126}" type="datetimeFigureOut">
               <a:rPr lang="en-US" smtClean="0"/>
               <a:pPr/>
-              <a:t>5/16/2017</a:t>
+              <a:t>5/17/2017</a:t>
             </a:fld>
             <a:endParaRPr lang="en-US" dirty="0"/>
           </a:p>
@@ -4159,7 +4167,7 @@
             <a:fld id="{48A87A34-81AB-432B-8DAE-1953F412C126}" type="datetimeFigureOut">
               <a:rPr lang="en-US" smtClean="0"/>
               <a:pPr/>
-              <a:t>5/16/2017</a:t>
+              <a:t>5/17/2017</a:t>
             </a:fld>
             <a:endParaRPr lang="en-US" dirty="0"/>
           </a:p>
@@ -4310,7 +4318,7 @@
             <a:fld id="{48A87A34-81AB-432B-8DAE-1953F412C126}" type="datetimeFigureOut">
               <a:rPr lang="en-US" smtClean="0"/>
               <a:pPr/>
-              <a:t>5/16/2017</a:t>
+              <a:t>5/17/2017</a:t>
             </a:fld>
             <a:endParaRPr lang="en-US" dirty="0"/>
           </a:p>
@@ -4438,7 +4446,7 @@
             <a:fld id="{48A87A34-81AB-432B-8DAE-1953F412C126}" type="datetimeFigureOut">
               <a:rPr lang="en-US" smtClean="0"/>
               <a:pPr/>
-              <a:t>5/16/2017</a:t>
+              <a:t>5/17/2017</a:t>
             </a:fld>
             <a:endParaRPr lang="en-US" dirty="0"/>
           </a:p>
@@ -4695,7 +4703,7 @@
             <a:fld id="{48A87A34-81AB-432B-8DAE-1953F412C126}" type="datetimeFigureOut">
               <a:rPr lang="en-US" smtClean="0"/>
               <a:pPr/>
-              <a:t>5/16/2017</a:t>
+              <a:t>5/17/2017</a:t>
             </a:fld>
             <a:endParaRPr lang="en-US" dirty="0"/>
           </a:p>
@@ -5012,7 +5020,7 @@
             <a:fld id="{48A87A34-81AB-432B-8DAE-1953F412C126}" type="datetimeFigureOut">
               <a:rPr lang="en-US" smtClean="0"/>
               <a:pPr/>
-              <a:t>5/16/2017</a:t>
+              <a:t>5/17/2017</a:t>
             </a:fld>
             <a:endParaRPr lang="en-US" dirty="0"/>
           </a:p>
@@ -5365,7 +5373,7 @@
             <a:fld id="{48A87A34-81AB-432B-8DAE-1953F412C126}" type="datetimeFigureOut">
               <a:rPr lang="en-US" smtClean="0"/>
               <a:pPr/>
-              <a:t>5/16/2017</a:t>
+              <a:t>5/17/2017</a:t>
             </a:fld>
             <a:endParaRPr lang="en-US" dirty="0"/>
           </a:p>
@@ -6016,6 +6024,243 @@
   <p:clrMapOvr>
     <a:masterClrMapping/>
   </p:clrMapOvr>
+  <p:timing>
+    <p:tnLst>
+      <p:par>
+        <p:cTn id="1" dur="indefinite" restart="never" nodeType="tmRoot"/>
+      </p:par>
+    </p:tnLst>
+  </p:timing>
+</p:sld>
+</file>
+
+<file path=ppt/slides/slide10.xml><?xml version="1.0" encoding="utf-8"?>
+<p:sld xmlns:a="http://schemas.openxmlformats.org/drawingml/2006/main" xmlns:r="http://schemas.openxmlformats.org/officeDocument/2006/relationships" xmlns:p="http://schemas.openxmlformats.org/presentationml/2006/main">
+  <p:cSld>
+    <p:spTree>
+      <p:nvGrpSpPr>
+        <p:cNvPr id="1" name=""/>
+        <p:cNvGrpSpPr/>
+        <p:nvPr/>
+      </p:nvGrpSpPr>
+      <p:grpSpPr>
+        <a:xfrm>
+          <a:off x="0" y="0"/>
+          <a:ext cx="0" cy="0"/>
+          <a:chOff x="0" y="0"/>
+          <a:chExt cx="0" cy="0"/>
+        </a:xfrm>
+      </p:grpSpPr>
+      <p:sp>
+        <p:nvSpPr>
+          <p:cNvPr id="2" name="Заголовок 1"/>
+          <p:cNvSpPr>
+            <a:spLocks noGrp="1"/>
+          </p:cNvSpPr>
+          <p:nvPr>
+            <p:ph type="title"/>
+          </p:nvPr>
+        </p:nvSpPr>
+        <p:spPr>
+          <a:xfrm>
+            <a:off x="1295402" y="629435"/>
+            <a:ext cx="9601196" cy="1303867"/>
+          </a:xfrm>
+        </p:spPr>
+        <p:txBody>
+          <a:bodyPr/>
+          <a:lstStyle/>
+          <a:p>
+            <a:r>
+              <a:rPr lang="ru-RU" dirty="0" smtClean="0"/>
+              <a:t>Справа от точки</a:t>
+            </a:r>
+            <a:endParaRPr lang="ru-RU" dirty="0"/>
+          </a:p>
+        </p:txBody>
+      </p:sp>
+      <p:pic>
+        <p:nvPicPr>
+          <p:cNvPr id="4" name="Объект 3"/>
+          <p:cNvPicPr>
+            <a:picLocks noGrp="1" noChangeAspect="1"/>
+          </p:cNvPicPr>
+          <p:nvPr>
+            <p:ph idx="1"/>
+          </p:nvPr>
+        </p:nvPicPr>
+        <p:blipFill>
+          <a:blip r:embed="rId2">
+            <a:extLst>
+              <a:ext uri="{28A0092B-C50C-407E-A947-70E740481C1C}">
+                <a14:useLocalDpi xmlns:a14="http://schemas.microsoft.com/office/drawing/2010/main" val="0"/>
+              </a:ext>
+            </a:extLst>
+          </a:blip>
+          <a:stretch>
+            <a:fillRect/>
+          </a:stretch>
+        </p:blipFill>
+        <p:spPr>
+          <a:xfrm>
+            <a:off x="1295402" y="1634065"/>
+            <a:ext cx="6283173" cy="4712380"/>
+          </a:xfrm>
+        </p:spPr>
+      </p:pic>
+      <mc:AlternateContent xmlns:mc="http://schemas.openxmlformats.org/markup-compatibility/2006" xmlns:a14="http://schemas.microsoft.com/office/drawing/2010/main">
+        <mc:Choice Requires="a14">
+          <p:sp>
+            <p:nvSpPr>
+              <p:cNvPr id="6" name="TextBox 5"/>
+              <p:cNvSpPr txBox="1"/>
+              <p:nvPr/>
+            </p:nvSpPr>
+            <p:spPr>
+              <a:xfrm>
+                <a:off x="7156238" y="3828569"/>
+                <a:ext cx="4162697" cy="307777"/>
+              </a:xfrm>
+              <a:prstGeom prst="rect">
+                <a:avLst/>
+              </a:prstGeom>
+              <a:noFill/>
+            </p:spPr>
+            <p:txBody>
+              <a:bodyPr wrap="square" lIns="0" tIns="0" rIns="0" bIns="0" rtlCol="0">
+                <a:spAutoFit/>
+              </a:bodyPr>
+              <a:lstStyle/>
+              <a:p>
+                <a:r>
+                  <a:rPr lang="en-US" sz="2000" i="1" dirty="0" smtClean="0"/>
+                  <a:t>P = </a:t>
+                </a:r>
+                <a:r>
+                  <a:rPr lang="ru-RU" sz="2000" i="1" dirty="0"/>
+                  <a:t>0.24484482</a:t>
+                </a:r>
+                <a14:m>
+                  <m:oMath xmlns:m="http://schemas.openxmlformats.org/officeDocument/2006/math">
+                    <m:sSup>
+                      <m:sSupPr>
+                        <m:ctrlPr>
+                          <a:rPr lang="ru-RU" sz="2000" i="1">
+                            <a:latin typeface="Cambria Math" panose="02040503050406030204" pitchFamily="18" charset="0"/>
+                          </a:rPr>
+                        </m:ctrlPr>
+                      </m:sSupPr>
+                      <m:e>
+                        <m:r>
+                          <a:rPr lang="ru-RU" sz="2000" i="1">
+                            <a:latin typeface="Cambria Math" panose="02040503050406030204" pitchFamily="18" charset="0"/>
+                          </a:rPr>
+                          <m:t>𝑥</m:t>
+                        </m:r>
+                      </m:e>
+                      <m:sup>
+                        <m:r>
+                          <a:rPr lang="ru-RU" sz="2000" i="1">
+                            <a:latin typeface="Cambria Math" panose="02040503050406030204" pitchFamily="18" charset="0"/>
+                          </a:rPr>
+                          <m:t>1.99948763</m:t>
+                        </m:r>
+                      </m:sup>
+                    </m:sSup>
+                  </m:oMath>
+                </a14:m>
+                <a:r>
+                  <a:rPr lang="en-US" sz="2000" dirty="0" smtClean="0"/>
+                  <a:t> </a:t>
+                </a:r>
+                <a:r>
+                  <a:rPr lang="en-US" sz="2000" dirty="0"/>
+                  <a:t>+ 0.70602179</a:t>
+                </a:r>
+                <a:endParaRPr lang="ru-RU" sz="2000" dirty="0"/>
+              </a:p>
+            </p:txBody>
+          </p:sp>
+        </mc:Choice>
+        <mc:Fallback xmlns="">
+          <p:sp>
+            <p:nvSpPr>
+              <p:cNvPr id="6" name="TextBox 5"/>
+              <p:cNvSpPr txBox="1">
+                <a:spLocks noRot="1" noChangeAspect="1" noMove="1" noResize="1" noEditPoints="1" noAdjustHandles="1" noChangeArrowheads="1" noChangeShapeType="1" noTextEdit="1"/>
+              </p:cNvSpPr>
+              <p:nvPr/>
+            </p:nvSpPr>
+            <p:spPr>
+              <a:xfrm>
+                <a:off x="7156238" y="3828569"/>
+                <a:ext cx="4162697" cy="307777"/>
+              </a:xfrm>
+              <a:prstGeom prst="rect">
+                <a:avLst/>
+              </a:prstGeom>
+              <a:blipFill>
+                <a:blip r:embed="rId3"/>
+                <a:stretch>
+                  <a:fillRect l="-3807" t="-23529" r="-3221" b="-50980"/>
+                </a:stretch>
+              </a:blipFill>
+            </p:spPr>
+            <p:txBody>
+              <a:bodyPr/>
+              <a:lstStyle/>
+              <a:p>
+                <a:r>
+                  <a:rPr lang="ru-RU">
+                    <a:noFill/>
+                  </a:rPr>
+                  <a:t> </a:t>
+                </a:r>
+              </a:p>
+            </p:txBody>
+          </p:sp>
+        </mc:Fallback>
+      </mc:AlternateContent>
+      <p:sp>
+        <p:nvSpPr>
+          <p:cNvPr id="8" name="TextBox 7"/>
+          <p:cNvSpPr txBox="1"/>
+          <p:nvPr/>
+        </p:nvSpPr>
+        <p:spPr>
+          <a:xfrm>
+            <a:off x="8307977" y="2991394"/>
+            <a:ext cx="1228221" cy="523220"/>
+          </a:xfrm>
+          <a:prstGeom prst="rect">
+            <a:avLst/>
+          </a:prstGeom>
+          <a:noFill/>
+        </p:spPr>
+        <p:txBody>
+          <a:bodyPr wrap="none" rtlCol="0">
+            <a:spAutoFit/>
+          </a:bodyPr>
+          <a:lstStyle/>
+          <a:p>
+            <a:r>
+              <a:rPr lang="en-US" sz="2800" dirty="0" smtClean="0"/>
+              <a:t>T=1.85</a:t>
+            </a:r>
+            <a:endParaRPr lang="ru-RU" sz="2800" dirty="0"/>
+          </a:p>
+        </p:txBody>
+      </p:sp>
+    </p:spTree>
+    <p:extLst>
+      <p:ext uri="{BB962C8B-B14F-4D97-AF65-F5344CB8AC3E}">
+        <p14:creationId xmlns:p14="http://schemas.microsoft.com/office/powerpoint/2010/main" val="2802179439"/>
+      </p:ext>
+    </p:extLst>
+  </p:cSld>
+  <p:clrMapOvr>
+    <a:masterClrMapping/>
+  </p:clrMapOvr>
 </p:sld>
 </file>
 
@@ -6287,6 +6532,13 @@
   <p:clrMapOvr>
     <a:masterClrMapping/>
   </p:clrMapOvr>
+  <p:timing>
+    <p:tnLst>
+      <p:par>
+        <p:cTn id="1" dur="indefinite" restart="never" nodeType="tmRoot"/>
+      </p:par>
+    </p:tnLst>
+  </p:timing>
 </p:sld>
 </file>
 
@@ -6307,73 +6559,127 @@
           <a:chExt cx="0" cy="0"/>
         </a:xfrm>
       </p:grpSpPr>
-      <p:sp>
-        <p:nvSpPr>
-          <p:cNvPr id="2" name="Заголовок 1"/>
-          <p:cNvSpPr>
-            <a:spLocks noGrp="1"/>
-          </p:cNvSpPr>
-          <p:nvPr>
-            <p:ph type="title"/>
-          </p:nvPr>
-        </p:nvSpPr>
-        <p:spPr>
-          <a:xfrm>
-            <a:off x="1295402" y="603311"/>
-            <a:ext cx="9601196" cy="1303867"/>
-          </a:xfrm>
-        </p:spPr>
-        <p:txBody>
-          <a:bodyPr/>
-          <a:lstStyle/>
-          <a:p>
-            <a:r>
-              <a:rPr lang="ru-RU" dirty="0" smtClean="0"/>
-              <a:t>Фазовый переход</a:t>
-            </a:r>
-            <a:endParaRPr lang="ru-RU" dirty="0"/>
-          </a:p>
-        </p:txBody>
-      </p:sp>
       <p:pic>
         <p:nvPicPr>
-          <p:cNvPr id="4" name="Объект 3"/>
+          <p:cNvPr id="4" name="_+eSD3ev">
+            <a:hlinkClick r:id="" action="ppaction://media"/>
+          </p:cNvPr>
           <p:cNvPicPr>
             <a:picLocks noGrp="1" noChangeAspect="1"/>
           </p:cNvPicPr>
           <p:nvPr>
             <p:ph idx="1"/>
+            <a:videoFile r:link="rId2"/>
+            <p:extLst>
+              <p:ext uri="{DAA4B4D4-6D71-4841-9C94-3DE7FCFB9230}">
+                <p14:media xmlns:p14="http://schemas.microsoft.com/office/powerpoint/2010/main" r:embed="rId1"/>
+              </p:ext>
+            </p:extLst>
           </p:nvPr>
         </p:nvPicPr>
         <p:blipFill>
-          <a:blip r:embed="rId2">
-            <a:extLst>
-              <a:ext uri="{28A0092B-C50C-407E-A947-70E740481C1C}">
-                <a14:useLocalDpi xmlns:a14="http://schemas.microsoft.com/office/drawing/2010/main" val="0"/>
-              </a:ext>
-            </a:extLst>
-          </a:blip>
+          <a:blip r:embed="rId4"/>
           <a:stretch>
             <a:fillRect/>
           </a:stretch>
         </p:blipFill>
         <p:spPr>
           <a:xfrm>
-            <a:off x="2884502" y="1502229"/>
-            <a:ext cx="6422996" cy="4817247"/>
+            <a:off x="2266760" y="600892"/>
+            <a:ext cx="7582635" cy="5686296"/>
           </a:xfrm>
         </p:spPr>
       </p:pic>
     </p:spTree>
     <p:extLst>
       <p:ext uri="{BB962C8B-B14F-4D97-AF65-F5344CB8AC3E}">
-        <p14:creationId xmlns:p14="http://schemas.microsoft.com/office/powerpoint/2010/main" val="3045213119"/>
+        <p14:creationId xmlns:p14="http://schemas.microsoft.com/office/powerpoint/2010/main" val="2056390313"/>
       </p:ext>
     </p:extLst>
   </p:cSld>
   <p:clrMapOvr>
     <a:masterClrMapping/>
   </p:clrMapOvr>
+  <p:timing>
+    <p:tnLst>
+      <p:par>
+        <p:cTn id="1" dur="indefinite" restart="never" nodeType="tmRoot">
+          <p:childTnLst>
+            <p:seq concurrent="1" nextAc="seek">
+              <p:cTn id="2" restart="whenNotActive" fill="hold" evtFilter="cancelBubble" nodeType="interactiveSeq">
+                <p:stCondLst>
+                  <p:cond evt="onClick" delay="0">
+                    <p:tgtEl>
+                      <p:spTgt spid="4"/>
+                    </p:tgtEl>
+                  </p:cond>
+                </p:stCondLst>
+                <p:endSync evt="end" delay="0">
+                  <p:rtn val="all"/>
+                </p:endSync>
+                <p:childTnLst>
+                  <p:par>
+                    <p:cTn id="3" fill="hold">
+                      <p:stCondLst>
+                        <p:cond delay="0"/>
+                      </p:stCondLst>
+                      <p:childTnLst>
+                        <p:par>
+                          <p:cTn id="4" fill="hold">
+                            <p:stCondLst>
+                              <p:cond delay="0"/>
+                            </p:stCondLst>
+                            <p:childTnLst>
+                              <p:par>
+                                <p:cTn id="5" presetID="2" presetClass="mediacall" presetSubtype="0" fill="hold" nodeType="clickEffect">
+                                  <p:stCondLst>
+                                    <p:cond delay="0"/>
+                                  </p:stCondLst>
+                                  <p:childTnLst>
+                                    <p:cmd type="call" cmd="togglePause">
+                                      <p:cBhvr>
+                                        <p:cTn id="6" dur="1" fill="hold"/>
+                                        <p:tgtEl>
+                                          <p:spTgt spid="4"/>
+                                        </p:tgtEl>
+                                      </p:cBhvr>
+                                    </p:cmd>
+                                  </p:childTnLst>
+                                </p:cTn>
+                              </p:par>
+                            </p:childTnLst>
+                          </p:cTn>
+                        </p:par>
+                      </p:childTnLst>
+                    </p:cTn>
+                  </p:par>
+                </p:childTnLst>
+              </p:cTn>
+              <p:nextCondLst>
+                <p:cond evt="onClick" delay="0">
+                  <p:tgtEl>
+                    <p:spTgt spid="4"/>
+                  </p:tgtEl>
+                </p:cond>
+              </p:nextCondLst>
+            </p:seq>
+            <p:video>
+              <p:cMediaNode vol="80000">
+                <p:cTn id="7" fill="hold" display="0">
+                  <p:stCondLst>
+                    <p:cond delay="indefinite"/>
+                  </p:stCondLst>
+                </p:cTn>
+                <p:tgtEl>
+                  <p:spTgt spid="4"/>
+                </p:tgtEl>
+              </p:cMediaNode>
+            </p:video>
+          </p:childTnLst>
+        </p:cTn>
+      </p:par>
+    </p:tnLst>
+  </p:timing>
 </p:sld>
 </file>
 
@@ -6394,73 +6700,127 @@
           <a:chExt cx="0" cy="0"/>
         </a:xfrm>
       </p:grpSpPr>
-      <p:sp>
-        <p:nvSpPr>
-          <p:cNvPr id="2" name="Заголовок 1"/>
-          <p:cNvSpPr>
-            <a:spLocks noGrp="1"/>
-          </p:cNvSpPr>
-          <p:nvPr>
-            <p:ph type="title"/>
-          </p:nvPr>
-        </p:nvSpPr>
-        <p:spPr>
-          <a:xfrm>
-            <a:off x="1282339" y="677202"/>
-            <a:ext cx="9601196" cy="1303867"/>
-          </a:xfrm>
-        </p:spPr>
-        <p:txBody>
-          <a:bodyPr/>
-          <a:lstStyle/>
-          <a:p>
-            <a:r>
-              <a:rPr lang="ru-RU" dirty="0" smtClean="0"/>
-              <a:t>Периметр протекающего кластера</a:t>
-            </a:r>
-            <a:endParaRPr lang="ru-RU" dirty="0"/>
-          </a:p>
-        </p:txBody>
-      </p:sp>
       <p:pic>
         <p:nvPicPr>
-          <p:cNvPr id="4" name="Объект 3"/>
+          <p:cNvPr id="5" name="4IURxnp_">
+            <a:hlinkClick r:id="" action="ppaction://media"/>
+          </p:cNvPr>
           <p:cNvPicPr>
             <a:picLocks noGrp="1" noChangeAspect="1"/>
           </p:cNvPicPr>
           <p:nvPr>
             <p:ph idx="1"/>
+            <a:videoFile r:link="rId2"/>
+            <p:extLst>
+              <p:ext uri="{DAA4B4D4-6D71-4841-9C94-3DE7FCFB9230}">
+                <p14:media xmlns:p14="http://schemas.microsoft.com/office/powerpoint/2010/main" r:embed="rId1"/>
+              </p:ext>
+            </p:extLst>
           </p:nvPr>
         </p:nvPicPr>
         <p:blipFill>
-          <a:blip r:embed="rId2">
-            <a:extLst>
-              <a:ext uri="{28A0092B-C50C-407E-A947-70E740481C1C}">
-                <a14:useLocalDpi xmlns:a14="http://schemas.microsoft.com/office/drawing/2010/main" val="0"/>
-              </a:ext>
-            </a:extLst>
-          </a:blip>
+          <a:blip r:embed="rId4"/>
           <a:stretch>
             <a:fillRect/>
           </a:stretch>
         </p:blipFill>
         <p:spPr>
           <a:xfrm>
-            <a:off x="2386247" y="1185445"/>
-            <a:ext cx="7169936" cy="5377452"/>
+            <a:off x="2338252" y="628199"/>
+            <a:ext cx="7153796" cy="5364705"/>
           </a:xfrm>
         </p:spPr>
       </p:pic>
     </p:spTree>
     <p:extLst>
       <p:ext uri="{BB962C8B-B14F-4D97-AF65-F5344CB8AC3E}">
-        <p14:creationId xmlns:p14="http://schemas.microsoft.com/office/powerpoint/2010/main" val="797864814"/>
+        <p14:creationId xmlns:p14="http://schemas.microsoft.com/office/powerpoint/2010/main" val="2944130448"/>
       </p:ext>
     </p:extLst>
   </p:cSld>
   <p:clrMapOvr>
     <a:masterClrMapping/>
   </p:clrMapOvr>
+  <p:timing>
+    <p:tnLst>
+      <p:par>
+        <p:cTn id="1" dur="indefinite" restart="never" nodeType="tmRoot">
+          <p:childTnLst>
+            <p:seq concurrent="1" nextAc="seek">
+              <p:cTn id="2" restart="whenNotActive" fill="hold" evtFilter="cancelBubble" nodeType="interactiveSeq">
+                <p:stCondLst>
+                  <p:cond evt="onClick" delay="0">
+                    <p:tgtEl>
+                      <p:spTgt spid="5"/>
+                    </p:tgtEl>
+                  </p:cond>
+                </p:stCondLst>
+                <p:endSync evt="end" delay="0">
+                  <p:rtn val="all"/>
+                </p:endSync>
+                <p:childTnLst>
+                  <p:par>
+                    <p:cTn id="3" fill="hold">
+                      <p:stCondLst>
+                        <p:cond delay="0"/>
+                      </p:stCondLst>
+                      <p:childTnLst>
+                        <p:par>
+                          <p:cTn id="4" fill="hold">
+                            <p:stCondLst>
+                              <p:cond delay="0"/>
+                            </p:stCondLst>
+                            <p:childTnLst>
+                              <p:par>
+                                <p:cTn id="5" presetID="2" presetClass="mediacall" presetSubtype="0" fill="hold" nodeType="clickEffect">
+                                  <p:stCondLst>
+                                    <p:cond delay="0"/>
+                                  </p:stCondLst>
+                                  <p:childTnLst>
+                                    <p:cmd type="call" cmd="togglePause">
+                                      <p:cBhvr>
+                                        <p:cTn id="6" dur="1" fill="hold"/>
+                                        <p:tgtEl>
+                                          <p:spTgt spid="5"/>
+                                        </p:tgtEl>
+                                      </p:cBhvr>
+                                    </p:cmd>
+                                  </p:childTnLst>
+                                </p:cTn>
+                              </p:par>
+                            </p:childTnLst>
+                          </p:cTn>
+                        </p:par>
+                      </p:childTnLst>
+                    </p:cTn>
+                  </p:par>
+                </p:childTnLst>
+              </p:cTn>
+              <p:nextCondLst>
+                <p:cond evt="onClick" delay="0">
+                  <p:tgtEl>
+                    <p:spTgt spid="5"/>
+                  </p:tgtEl>
+                </p:cond>
+              </p:nextCondLst>
+            </p:seq>
+            <p:video>
+              <p:cMediaNode vol="80000">
+                <p:cTn id="7" fill="hold" display="0">
+                  <p:stCondLst>
+                    <p:cond delay="indefinite"/>
+                  </p:stCondLst>
+                </p:cTn>
+                <p:tgtEl>
+                  <p:spTgt spid="5"/>
+                </p:tgtEl>
+              </p:cMediaNode>
+            </p:video>
+          </p:childTnLst>
+        </p:cTn>
+      </p:par>
+    </p:tnLst>
+  </p:timing>
 </p:sld>
 </file>
 
@@ -6481,6 +6841,147 @@
           <a:chExt cx="0" cy="0"/>
         </a:xfrm>
       </p:grpSpPr>
+      <p:pic>
+        <p:nvPicPr>
+          <p:cNvPr id="5" name="kz8HtfF8">
+            <a:hlinkClick r:id="" action="ppaction://media"/>
+          </p:cNvPr>
+          <p:cNvPicPr>
+            <a:picLocks noGrp="1" noChangeAspect="1"/>
+          </p:cNvPicPr>
+          <p:nvPr>
+            <p:ph idx="1"/>
+            <a:videoFile r:link="rId2"/>
+            <p:extLst>
+              <p:ext uri="{DAA4B4D4-6D71-4841-9C94-3DE7FCFB9230}">
+                <p14:media xmlns:p14="http://schemas.microsoft.com/office/powerpoint/2010/main" r:embed="rId1"/>
+              </p:ext>
+            </p:extLst>
+          </p:nvPr>
+        </p:nvPicPr>
+        <p:blipFill>
+          <a:blip r:embed="rId4"/>
+          <a:stretch>
+            <a:fillRect/>
+          </a:stretch>
+        </p:blipFill>
+        <p:spPr>
+          <a:xfrm>
+            <a:off x="2285999" y="606940"/>
+            <a:ext cx="7408596" cy="5555782"/>
+          </a:xfrm>
+        </p:spPr>
+      </p:pic>
+    </p:spTree>
+    <p:extLst>
+      <p:ext uri="{BB962C8B-B14F-4D97-AF65-F5344CB8AC3E}">
+        <p14:creationId xmlns:p14="http://schemas.microsoft.com/office/powerpoint/2010/main" val="34339176"/>
+      </p:ext>
+    </p:extLst>
+  </p:cSld>
+  <p:clrMapOvr>
+    <a:masterClrMapping/>
+  </p:clrMapOvr>
+  <p:timing>
+    <p:tnLst>
+      <p:par>
+        <p:cTn id="1" dur="indefinite" restart="never" nodeType="tmRoot">
+          <p:childTnLst>
+            <p:seq concurrent="1" nextAc="seek">
+              <p:cTn id="2" restart="whenNotActive" fill="hold" evtFilter="cancelBubble" nodeType="interactiveSeq">
+                <p:stCondLst>
+                  <p:cond evt="onClick" delay="0">
+                    <p:tgtEl>
+                      <p:spTgt spid="5"/>
+                    </p:tgtEl>
+                  </p:cond>
+                </p:stCondLst>
+                <p:endSync evt="end" delay="0">
+                  <p:rtn val="all"/>
+                </p:endSync>
+                <p:childTnLst>
+                  <p:par>
+                    <p:cTn id="3" fill="hold">
+                      <p:stCondLst>
+                        <p:cond delay="0"/>
+                      </p:stCondLst>
+                      <p:childTnLst>
+                        <p:par>
+                          <p:cTn id="4" fill="hold">
+                            <p:stCondLst>
+                              <p:cond delay="0"/>
+                            </p:stCondLst>
+                            <p:childTnLst>
+                              <p:par>
+                                <p:cTn id="5" presetID="2" presetClass="mediacall" presetSubtype="0" fill="hold" nodeType="clickEffect">
+                                  <p:stCondLst>
+                                    <p:cond delay="0"/>
+                                  </p:stCondLst>
+                                  <p:childTnLst>
+                                    <p:cmd type="call" cmd="togglePause">
+                                      <p:cBhvr>
+                                        <p:cTn id="6" dur="1" fill="hold"/>
+                                        <p:tgtEl>
+                                          <p:spTgt spid="5"/>
+                                        </p:tgtEl>
+                                      </p:cBhvr>
+                                    </p:cmd>
+                                  </p:childTnLst>
+                                </p:cTn>
+                              </p:par>
+                            </p:childTnLst>
+                          </p:cTn>
+                        </p:par>
+                      </p:childTnLst>
+                    </p:cTn>
+                  </p:par>
+                </p:childTnLst>
+              </p:cTn>
+              <p:nextCondLst>
+                <p:cond evt="onClick" delay="0">
+                  <p:tgtEl>
+                    <p:spTgt spid="5"/>
+                  </p:tgtEl>
+                </p:cond>
+              </p:nextCondLst>
+            </p:seq>
+            <p:video>
+              <p:cMediaNode vol="80000">
+                <p:cTn id="7" fill="hold" display="0">
+                  <p:stCondLst>
+                    <p:cond delay="indefinite"/>
+                  </p:stCondLst>
+                </p:cTn>
+                <p:tgtEl>
+                  <p:spTgt spid="5"/>
+                </p:tgtEl>
+              </p:cMediaNode>
+            </p:video>
+          </p:childTnLst>
+        </p:cTn>
+      </p:par>
+    </p:tnLst>
+  </p:timing>
+</p:sld>
+</file>
+
+<file path=ppt/slides/slide6.xml><?xml version="1.0" encoding="utf-8"?>
+<p:sld xmlns:a="http://schemas.openxmlformats.org/drawingml/2006/main" xmlns:r="http://schemas.openxmlformats.org/officeDocument/2006/relationships" xmlns:p="http://schemas.openxmlformats.org/presentationml/2006/main">
+  <p:cSld>
+    <p:spTree>
+      <p:nvGrpSpPr>
+        <p:cNvPr id="1" name=""/>
+        <p:cNvGrpSpPr/>
+        <p:nvPr/>
+      </p:nvGrpSpPr>
+      <p:grpSpPr>
+        <a:xfrm>
+          <a:off x="0" y="0"/>
+          <a:ext cx="0" cy="0"/>
+          <a:chOff x="0" y="0"/>
+          <a:chExt cx="0" cy="0"/>
+        </a:xfrm>
+      </p:grpSpPr>
       <p:sp>
         <p:nvSpPr>
           <p:cNvPr id="2" name="Заголовок 1"/>
@@ -6493,7 +6994,7 @@
         </p:nvSpPr>
         <p:spPr>
           <a:xfrm>
-            <a:off x="1282340" y="603308"/>
+            <a:off x="1295402" y="603311"/>
             <a:ext cx="9601196" cy="1303867"/>
           </a:xfrm>
         </p:spPr>
@@ -6503,7 +7004,7 @@
           <a:p>
             <a:r>
               <a:rPr lang="ru-RU" dirty="0" smtClean="0"/>
-              <a:t>Слева от точки</a:t>
+              <a:t>Фазовый переход</a:t>
             </a:r>
             <a:endParaRPr lang="ru-RU" dirty="0"/>
           </a:p>
@@ -6533,13 +7034,201 @@
         </p:blipFill>
         <p:spPr>
           <a:xfrm>
+            <a:off x="2884502" y="1502229"/>
+            <a:ext cx="6422996" cy="4817247"/>
+          </a:xfrm>
+        </p:spPr>
+      </p:pic>
+    </p:spTree>
+    <p:extLst>
+      <p:ext uri="{BB962C8B-B14F-4D97-AF65-F5344CB8AC3E}">
+        <p14:creationId xmlns:p14="http://schemas.microsoft.com/office/powerpoint/2010/main" val="3045213119"/>
+      </p:ext>
+    </p:extLst>
+  </p:cSld>
+  <p:clrMapOvr>
+    <a:masterClrMapping/>
+  </p:clrMapOvr>
+  <p:timing>
+    <p:tnLst>
+      <p:par>
+        <p:cTn id="1" dur="indefinite" restart="never" nodeType="tmRoot"/>
+      </p:par>
+    </p:tnLst>
+  </p:timing>
+</p:sld>
+</file>
+
+<file path=ppt/slides/slide7.xml><?xml version="1.0" encoding="utf-8"?>
+<p:sld xmlns:a="http://schemas.openxmlformats.org/drawingml/2006/main" xmlns:r="http://schemas.openxmlformats.org/officeDocument/2006/relationships" xmlns:p="http://schemas.openxmlformats.org/presentationml/2006/main">
+  <p:cSld>
+    <p:spTree>
+      <p:nvGrpSpPr>
+        <p:cNvPr id="1" name=""/>
+        <p:cNvGrpSpPr/>
+        <p:nvPr/>
+      </p:nvGrpSpPr>
+      <p:grpSpPr>
+        <a:xfrm>
+          <a:off x="0" y="0"/>
+          <a:ext cx="0" cy="0"/>
+          <a:chOff x="0" y="0"/>
+          <a:chExt cx="0" cy="0"/>
+        </a:xfrm>
+      </p:grpSpPr>
+      <p:sp>
+        <p:nvSpPr>
+          <p:cNvPr id="2" name="Заголовок 1"/>
+          <p:cNvSpPr>
+            <a:spLocks noGrp="1"/>
+          </p:cNvSpPr>
+          <p:nvPr>
+            <p:ph type="title"/>
+          </p:nvPr>
+        </p:nvSpPr>
+        <p:spPr>
+          <a:xfrm>
+            <a:off x="1282339" y="677202"/>
+            <a:ext cx="9601196" cy="1303867"/>
+          </a:xfrm>
+        </p:spPr>
+        <p:txBody>
+          <a:bodyPr/>
+          <a:lstStyle/>
+          <a:p>
+            <a:r>
+              <a:rPr lang="ru-RU" dirty="0" smtClean="0"/>
+              <a:t>Периметр протекающего кластера</a:t>
+            </a:r>
+            <a:endParaRPr lang="ru-RU" dirty="0"/>
+          </a:p>
+        </p:txBody>
+      </p:sp>
+      <p:pic>
+        <p:nvPicPr>
+          <p:cNvPr id="4" name="Объект 3"/>
+          <p:cNvPicPr>
+            <a:picLocks noGrp="1" noChangeAspect="1"/>
+          </p:cNvPicPr>
+          <p:nvPr>
+            <p:ph idx="1"/>
+          </p:nvPr>
+        </p:nvPicPr>
+        <p:blipFill>
+          <a:blip r:embed="rId2">
+            <a:extLst>
+              <a:ext uri="{28A0092B-C50C-407E-A947-70E740481C1C}">
+                <a14:useLocalDpi xmlns:a14="http://schemas.microsoft.com/office/drawing/2010/main" val="0"/>
+              </a:ext>
+            </a:extLst>
+          </a:blip>
+          <a:stretch>
+            <a:fillRect/>
+          </a:stretch>
+        </p:blipFill>
+        <p:spPr>
+          <a:xfrm>
+            <a:off x="2386247" y="1185445"/>
+            <a:ext cx="7169936" cy="5377452"/>
+          </a:xfrm>
+        </p:spPr>
+      </p:pic>
+    </p:spTree>
+    <p:extLst>
+      <p:ext uri="{BB962C8B-B14F-4D97-AF65-F5344CB8AC3E}">
+        <p14:creationId xmlns:p14="http://schemas.microsoft.com/office/powerpoint/2010/main" val="797864814"/>
+      </p:ext>
+    </p:extLst>
+  </p:cSld>
+  <p:clrMapOvr>
+    <a:masterClrMapping/>
+  </p:clrMapOvr>
+  <p:timing>
+    <p:tnLst>
+      <p:par>
+        <p:cTn id="1" dur="indefinite" restart="never" nodeType="tmRoot"/>
+      </p:par>
+    </p:tnLst>
+  </p:timing>
+</p:sld>
+</file>
+
+<file path=ppt/slides/slide8.xml><?xml version="1.0" encoding="utf-8"?>
+<p:sld xmlns:a="http://schemas.openxmlformats.org/drawingml/2006/main" xmlns:r="http://schemas.openxmlformats.org/officeDocument/2006/relationships" xmlns:p="http://schemas.openxmlformats.org/presentationml/2006/main">
+  <p:cSld>
+    <p:spTree>
+      <p:nvGrpSpPr>
+        <p:cNvPr id="1" name=""/>
+        <p:cNvGrpSpPr/>
+        <p:nvPr/>
+      </p:nvGrpSpPr>
+      <p:grpSpPr>
+        <a:xfrm>
+          <a:off x="0" y="0"/>
+          <a:ext cx="0" cy="0"/>
+          <a:chOff x="0" y="0"/>
+          <a:chExt cx="0" cy="0"/>
+        </a:xfrm>
+      </p:grpSpPr>
+      <p:sp>
+        <p:nvSpPr>
+          <p:cNvPr id="2" name="Заголовок 1"/>
+          <p:cNvSpPr>
+            <a:spLocks noGrp="1"/>
+          </p:cNvSpPr>
+          <p:nvPr>
+            <p:ph type="title"/>
+          </p:nvPr>
+        </p:nvSpPr>
+        <p:spPr>
+          <a:xfrm>
+            <a:off x="1282340" y="603308"/>
+            <a:ext cx="9601196" cy="1303867"/>
+          </a:xfrm>
+        </p:spPr>
+        <p:txBody>
+          <a:bodyPr/>
+          <a:lstStyle/>
+          <a:p>
+            <a:r>
+              <a:rPr lang="ru-RU" dirty="0" smtClean="0"/>
+              <a:t>Слева от точки</a:t>
+            </a:r>
+            <a:endParaRPr lang="ru-RU" dirty="0"/>
+          </a:p>
+        </p:txBody>
+      </p:sp>
+      <p:pic>
+        <p:nvPicPr>
+          <p:cNvPr id="4" name="Объект 3"/>
+          <p:cNvPicPr>
+            <a:picLocks noGrp="1" noChangeAspect="1"/>
+          </p:cNvPicPr>
+          <p:nvPr>
+            <p:ph idx="1"/>
+          </p:nvPr>
+        </p:nvPicPr>
+        <p:blipFill>
+          <a:blip r:embed="rId2">
+            <a:extLst>
+              <a:ext uri="{28A0092B-C50C-407E-A947-70E740481C1C}">
+                <a14:useLocalDpi xmlns:a14="http://schemas.microsoft.com/office/drawing/2010/main" val="0"/>
+              </a:ext>
+            </a:extLst>
+          </a:blip>
+          <a:stretch>
+            <a:fillRect/>
+          </a:stretch>
+        </p:blipFill>
+        <p:spPr>
+          <a:xfrm>
             <a:off x="1282340" y="1567540"/>
             <a:ext cx="6258500" cy="4693875"/>
           </a:xfrm>
         </p:spPr>
       </p:pic>
-      <mc:AlternateContent xmlns:mc="http://schemas.openxmlformats.org/markup-compatibility/2006">
-        <mc:Choice xmlns:a14="http://schemas.microsoft.com/office/drawing/2010/main" Requires="a14">
+      <mc:AlternateContent xmlns:mc="http://schemas.openxmlformats.org/markup-compatibility/2006" xmlns:a14="http://schemas.microsoft.com/office/drawing/2010/main">
+        <mc:Choice Requires="a14">
           <p:sp>
             <p:nvSpPr>
               <p:cNvPr id="5" name="TextBox 4"/>
@@ -6612,7 +7301,7 @@
             </p:txBody>
           </p:sp>
         </mc:Choice>
-        <mc:Fallback>
+        <mc:Fallback xmlns="">
           <p:sp>
             <p:nvSpPr>
               <p:cNvPr id="5" name="TextBox 4"/>
@@ -6694,7 +7383,7 @@
 </p:sld>
 </file>
 
-<file path=ppt/slides/slide6.xml><?xml version="1.0" encoding="utf-8"?>
+<file path=ppt/slides/slide9.xml><?xml version="1.0" encoding="utf-8"?>
 <p:sld xmlns:a="http://schemas.openxmlformats.org/drawingml/2006/main" xmlns:r="http://schemas.openxmlformats.org/officeDocument/2006/relationships" xmlns:p="http://schemas.openxmlformats.org/presentationml/2006/main">
   <p:cSld>
     <p:spTree>
@@ -6768,8 +7457,8 @@
           </a:xfrm>
         </p:spPr>
       </p:pic>
-      <mc:AlternateContent xmlns:mc="http://schemas.openxmlformats.org/markup-compatibility/2006">
-        <mc:Choice xmlns:a14="http://schemas.microsoft.com/office/drawing/2010/main" Requires="a14">
+      <mc:AlternateContent xmlns:mc="http://schemas.openxmlformats.org/markup-compatibility/2006" xmlns:a14="http://schemas.microsoft.com/office/drawing/2010/main">
+        <mc:Choice Requires="a14">
           <p:sp>
             <p:nvSpPr>
               <p:cNvPr id="6" name="TextBox 5"/>
@@ -6842,7 +7531,7 @@
             </p:txBody>
           </p:sp>
         </mc:Choice>
-        <mc:Fallback>
+        <mc:Fallback xmlns="">
           <p:sp>
             <p:nvSpPr>
               <p:cNvPr id="6" name="TextBox 5"/>
@@ -6915,236 +7604,6 @@
     <p:extLst>
       <p:ext uri="{BB962C8B-B14F-4D97-AF65-F5344CB8AC3E}">
         <p14:creationId xmlns:p14="http://schemas.microsoft.com/office/powerpoint/2010/main" val="3397546762"/>
-      </p:ext>
-    </p:extLst>
-  </p:cSld>
-  <p:clrMapOvr>
-    <a:masterClrMapping/>
-  </p:clrMapOvr>
-</p:sld>
-</file>
-
-<file path=ppt/slides/slide7.xml><?xml version="1.0" encoding="utf-8"?>
-<p:sld xmlns:a="http://schemas.openxmlformats.org/drawingml/2006/main" xmlns:r="http://schemas.openxmlformats.org/officeDocument/2006/relationships" xmlns:p="http://schemas.openxmlformats.org/presentationml/2006/main">
-  <p:cSld>
-    <p:spTree>
-      <p:nvGrpSpPr>
-        <p:cNvPr id="1" name=""/>
-        <p:cNvGrpSpPr/>
-        <p:nvPr/>
-      </p:nvGrpSpPr>
-      <p:grpSpPr>
-        <a:xfrm>
-          <a:off x="0" y="0"/>
-          <a:ext cx="0" cy="0"/>
-          <a:chOff x="0" y="0"/>
-          <a:chExt cx="0" cy="0"/>
-        </a:xfrm>
-      </p:grpSpPr>
-      <p:sp>
-        <p:nvSpPr>
-          <p:cNvPr id="2" name="Заголовок 1"/>
-          <p:cNvSpPr>
-            <a:spLocks noGrp="1"/>
-          </p:cNvSpPr>
-          <p:nvPr>
-            <p:ph type="title"/>
-          </p:nvPr>
-        </p:nvSpPr>
-        <p:spPr>
-          <a:xfrm>
-            <a:off x="1295402" y="629435"/>
-            <a:ext cx="9601196" cy="1303867"/>
-          </a:xfrm>
-        </p:spPr>
-        <p:txBody>
-          <a:bodyPr/>
-          <a:lstStyle/>
-          <a:p>
-            <a:r>
-              <a:rPr lang="ru-RU" dirty="0" smtClean="0"/>
-              <a:t>Справа от точки</a:t>
-            </a:r>
-            <a:endParaRPr lang="ru-RU" dirty="0"/>
-          </a:p>
-        </p:txBody>
-      </p:sp>
-      <p:pic>
-        <p:nvPicPr>
-          <p:cNvPr id="4" name="Объект 3"/>
-          <p:cNvPicPr>
-            <a:picLocks noGrp="1" noChangeAspect="1"/>
-          </p:cNvPicPr>
-          <p:nvPr>
-            <p:ph idx="1"/>
-          </p:nvPr>
-        </p:nvPicPr>
-        <p:blipFill>
-          <a:blip r:embed="rId2">
-            <a:extLst>
-              <a:ext uri="{28A0092B-C50C-407E-A947-70E740481C1C}">
-                <a14:useLocalDpi xmlns:a14="http://schemas.microsoft.com/office/drawing/2010/main" val="0"/>
-              </a:ext>
-            </a:extLst>
-          </a:blip>
-          <a:stretch>
-            <a:fillRect/>
-          </a:stretch>
-        </p:blipFill>
-        <p:spPr>
-          <a:xfrm>
-            <a:off x="1295402" y="1634065"/>
-            <a:ext cx="6283173" cy="4712380"/>
-          </a:xfrm>
-        </p:spPr>
-      </p:pic>
-      <mc:AlternateContent xmlns:mc="http://schemas.openxmlformats.org/markup-compatibility/2006">
-        <mc:Choice xmlns:a14="http://schemas.microsoft.com/office/drawing/2010/main" Requires="a14">
-          <p:sp>
-            <p:nvSpPr>
-              <p:cNvPr id="6" name="TextBox 5"/>
-              <p:cNvSpPr txBox="1"/>
-              <p:nvPr/>
-            </p:nvSpPr>
-            <p:spPr>
-              <a:xfrm>
-                <a:off x="7156238" y="3828569"/>
-                <a:ext cx="4162697" cy="307777"/>
-              </a:xfrm>
-              <a:prstGeom prst="rect">
-                <a:avLst/>
-              </a:prstGeom>
-              <a:noFill/>
-            </p:spPr>
-            <p:txBody>
-              <a:bodyPr wrap="square" lIns="0" tIns="0" rIns="0" bIns="0" rtlCol="0">
-                <a:spAutoFit/>
-              </a:bodyPr>
-              <a:lstStyle/>
-              <a:p>
-                <a:r>
-                  <a:rPr lang="en-US" sz="2000" i="1" dirty="0" smtClean="0"/>
-                  <a:t>P = </a:t>
-                </a:r>
-                <a:r>
-                  <a:rPr lang="ru-RU" sz="2000" i="1" dirty="0"/>
-                  <a:t>0.24484482</a:t>
-                </a:r>
-                <a14:m>
-                  <m:oMath xmlns:m="http://schemas.openxmlformats.org/officeDocument/2006/math">
-                    <m:sSup>
-                      <m:sSupPr>
-                        <m:ctrlPr>
-                          <a:rPr lang="ru-RU" sz="2000" i="1">
-                            <a:latin typeface="Cambria Math" panose="02040503050406030204" pitchFamily="18" charset="0"/>
-                          </a:rPr>
-                        </m:ctrlPr>
-                      </m:sSupPr>
-                      <m:e>
-                        <m:r>
-                          <a:rPr lang="ru-RU" sz="2000" i="1">
-                            <a:latin typeface="Cambria Math" panose="02040503050406030204" pitchFamily="18" charset="0"/>
-                          </a:rPr>
-                          <m:t>𝑥</m:t>
-                        </m:r>
-                      </m:e>
-                      <m:sup>
-                        <m:r>
-                          <a:rPr lang="ru-RU" sz="2000" i="1">
-                            <a:latin typeface="Cambria Math" panose="02040503050406030204" pitchFamily="18" charset="0"/>
-                          </a:rPr>
-                          <m:t>1.99948763</m:t>
-                        </m:r>
-                      </m:sup>
-                    </m:sSup>
-                  </m:oMath>
-                </a14:m>
-                <a:r>
-                  <a:rPr lang="en-US" sz="2000" dirty="0" smtClean="0"/>
-                  <a:t> </a:t>
-                </a:r>
-                <a:r>
-                  <a:rPr lang="en-US" sz="2000" dirty="0"/>
-                  <a:t>+ 0.70602179</a:t>
-                </a:r>
-                <a:endParaRPr lang="ru-RU" sz="2000" dirty="0"/>
-              </a:p>
-            </p:txBody>
-          </p:sp>
-        </mc:Choice>
-        <mc:Fallback>
-          <p:sp>
-            <p:nvSpPr>
-              <p:cNvPr id="6" name="TextBox 5"/>
-              <p:cNvSpPr txBox="1">
-                <a:spLocks noRot="1" noChangeAspect="1" noMove="1" noResize="1" noEditPoints="1" noAdjustHandles="1" noChangeArrowheads="1" noChangeShapeType="1" noTextEdit="1"/>
-              </p:cNvSpPr>
-              <p:nvPr/>
-            </p:nvSpPr>
-            <p:spPr>
-              <a:xfrm>
-                <a:off x="7156238" y="3828569"/>
-                <a:ext cx="4162697" cy="307777"/>
-              </a:xfrm>
-              <a:prstGeom prst="rect">
-                <a:avLst/>
-              </a:prstGeom>
-              <a:blipFill>
-                <a:blip r:embed="rId3"/>
-                <a:stretch>
-                  <a:fillRect l="-3807" t="-23529" r="-3221" b="-50980"/>
-                </a:stretch>
-              </a:blipFill>
-            </p:spPr>
-            <p:txBody>
-              <a:bodyPr/>
-              <a:lstStyle/>
-              <a:p>
-                <a:r>
-                  <a:rPr lang="ru-RU">
-                    <a:noFill/>
-                  </a:rPr>
-                  <a:t> </a:t>
-                </a:r>
-              </a:p>
-            </p:txBody>
-          </p:sp>
-        </mc:Fallback>
-      </mc:AlternateContent>
-      <p:sp>
-        <p:nvSpPr>
-          <p:cNvPr id="8" name="TextBox 7"/>
-          <p:cNvSpPr txBox="1"/>
-          <p:nvPr/>
-        </p:nvSpPr>
-        <p:spPr>
-          <a:xfrm>
-            <a:off x="8307977" y="2991394"/>
-            <a:ext cx="1228221" cy="523220"/>
-          </a:xfrm>
-          <a:prstGeom prst="rect">
-            <a:avLst/>
-          </a:prstGeom>
-          <a:noFill/>
-        </p:spPr>
-        <p:txBody>
-          <a:bodyPr wrap="none" rtlCol="0">
-            <a:spAutoFit/>
-          </a:bodyPr>
-          <a:lstStyle/>
-          <a:p>
-            <a:r>
-              <a:rPr lang="en-US" sz="2800" dirty="0" smtClean="0"/>
-              <a:t>T=1.85</a:t>
-            </a:r>
-            <a:endParaRPr lang="ru-RU" sz="2800" dirty="0"/>
-          </a:p>
-        </p:txBody>
-      </p:sp>
-    </p:spTree>
-    <p:extLst>
-      <p:ext uri="{BB962C8B-B14F-4D97-AF65-F5344CB8AC3E}">
-        <p14:creationId xmlns:p14="http://schemas.microsoft.com/office/powerpoint/2010/main" val="2802179439"/>
       </p:ext>
     </p:extLst>
   </p:cSld>

--- a/МКР/МКР_през.pptx
+++ b/МКР/МКР_през.pptx
@@ -6522,6 +6522,208 @@
           </a:p>
         </p:txBody>
       </p:sp>
+      <p:graphicFrame>
+        <p:nvGraphicFramePr>
+          <p:cNvPr id="4" name="Таблица 3"/>
+          <p:cNvGraphicFramePr>
+            <a:graphicFrameLocks noGrp="1"/>
+          </p:cNvGraphicFramePr>
+          <p:nvPr>
+            <p:extLst>
+              <p:ext uri="{D42A27DB-BD31-4B8C-83A1-F6EECF244321}">
+                <p14:modId xmlns:p14="http://schemas.microsoft.com/office/powerpoint/2010/main" val="3679297211"/>
+              </p:ext>
+            </p:extLst>
+          </p:nvPr>
+        </p:nvGraphicFramePr>
+        <p:xfrm>
+          <a:off x="6949439" y="2992601"/>
+          <a:ext cx="2897052" cy="1417888"/>
+        </p:xfrm>
+        <a:graphic>
+          <a:graphicData uri="http://schemas.openxmlformats.org/drawingml/2006/table">
+            <a:tbl>
+              <a:tblPr firstRow="1" bandRow="1">
+                <a:tableStyleId>{5C22544A-7EE6-4342-B048-85BDC9FD1C3A}</a:tableStyleId>
+              </a:tblPr>
+              <a:tblGrid>
+                <a:gridCol w="965684">
+                  <a:extLst>
+                    <a:ext uri="{9D8B030D-6E8A-4147-A177-3AD203B41FA5}">
+                      <a16:colId xmlns:a16="http://schemas.microsoft.com/office/drawing/2014/main" val="4152604360"/>
+                    </a:ext>
+                  </a:extLst>
+                </a:gridCol>
+                <a:gridCol w="965684">
+                  <a:extLst>
+                    <a:ext uri="{9D8B030D-6E8A-4147-A177-3AD203B41FA5}">
+                      <a16:colId xmlns:a16="http://schemas.microsoft.com/office/drawing/2014/main" val="2844460258"/>
+                    </a:ext>
+                  </a:extLst>
+                </a:gridCol>
+                <a:gridCol w="965684">
+                  <a:extLst>
+                    <a:ext uri="{9D8B030D-6E8A-4147-A177-3AD203B41FA5}">
+                      <a16:colId xmlns:a16="http://schemas.microsoft.com/office/drawing/2014/main" val="4099931182"/>
+                    </a:ext>
+                  </a:extLst>
+                </a:gridCol>
+              </a:tblGrid>
+              <a:tr h="465506">
+                <a:tc>
+                  <a:txBody>
+                    <a:bodyPr/>
+                    <a:lstStyle/>
+                    <a:p>
+                      <a:endParaRPr lang="ru-RU" dirty="0"/>
+                    </a:p>
+                  </a:txBody>
+                  <a:tcPr/>
+                </a:tc>
+                <a:tc>
+                  <a:txBody>
+                    <a:bodyPr/>
+                    <a:lstStyle/>
+                    <a:p>
+                      <a:r>
+                        <a:rPr lang="ru-RU" dirty="0" smtClean="0"/>
+                        <a:t>С</a:t>
+                      </a:r>
+                      <a:endParaRPr lang="ru-RU" dirty="0"/>
+                    </a:p>
+                  </a:txBody>
+                  <a:tcPr/>
+                </a:tc>
+                <a:tc>
+                  <a:txBody>
+                    <a:bodyPr/>
+                    <a:lstStyle/>
+                    <a:p>
+                      <a:r>
+                        <a:rPr lang="en-US" dirty="0" smtClean="0"/>
+                        <a:t>D</a:t>
+                      </a:r>
+                      <a:endParaRPr lang="ru-RU" dirty="0"/>
+                    </a:p>
+                  </a:txBody>
+                  <a:tcPr/>
+                </a:tc>
+                <a:extLst>
+                  <a:ext uri="{0D108BD9-81ED-4DB2-BD59-A6C34878D82A}">
+                    <a16:rowId xmlns:a16="http://schemas.microsoft.com/office/drawing/2014/main" val="2790301129"/>
+                  </a:ext>
+                </a:extLst>
+              </a:tr>
+              <a:tr h="486876">
+                <a:tc>
+                  <a:txBody>
+                    <a:bodyPr/>
+                    <a:lstStyle/>
+                    <a:p>
+                      <a:r>
+                        <a:rPr lang="en-US" dirty="0" smtClean="0"/>
+                        <a:t>C</a:t>
+                      </a:r>
+                      <a:endParaRPr lang="ru-RU" dirty="0"/>
+                    </a:p>
+                  </a:txBody>
+                  <a:tcPr/>
+                </a:tc>
+                <a:tc>
+                  <a:txBody>
+                    <a:bodyPr/>
+                    <a:lstStyle/>
+                    <a:p>
+                      <a:r>
+                        <a:rPr lang="en-US" dirty="0" smtClean="0"/>
+                        <a:t>(1, 1)</a:t>
+                      </a:r>
+                      <a:endParaRPr lang="ru-RU" dirty="0"/>
+                    </a:p>
+                  </a:txBody>
+                  <a:tcPr/>
+                </a:tc>
+                <a:tc>
+                  <a:txBody>
+                    <a:bodyPr/>
+                    <a:lstStyle/>
+                    <a:p>
+                      <a:r>
+                        <a:rPr lang="en-US" dirty="0" smtClean="0"/>
+                        <a:t>(0,</a:t>
+                      </a:r>
+                      <a:r>
+                        <a:rPr lang="en-US" baseline="0" dirty="0" smtClean="0"/>
+                        <a:t> </a:t>
+                      </a:r>
+                      <a:r>
+                        <a:rPr lang="en-US" dirty="0" smtClean="0"/>
+                        <a:t>T)</a:t>
+                      </a:r>
+                      <a:endParaRPr lang="ru-RU" dirty="0"/>
+                    </a:p>
+                  </a:txBody>
+                  <a:tcPr/>
+                </a:tc>
+                <a:extLst>
+                  <a:ext uri="{0D108BD9-81ED-4DB2-BD59-A6C34878D82A}">
+                    <a16:rowId xmlns:a16="http://schemas.microsoft.com/office/drawing/2014/main" val="1348754971"/>
+                  </a:ext>
+                </a:extLst>
+              </a:tr>
+              <a:tr h="465506">
+                <a:tc>
+                  <a:txBody>
+                    <a:bodyPr/>
+                    <a:lstStyle/>
+                    <a:p>
+                      <a:r>
+                        <a:rPr lang="en-US" dirty="0" smtClean="0"/>
+                        <a:t>D</a:t>
+                      </a:r>
+                      <a:endParaRPr lang="ru-RU" dirty="0"/>
+                    </a:p>
+                  </a:txBody>
+                  <a:tcPr/>
+                </a:tc>
+                <a:tc>
+                  <a:txBody>
+                    <a:bodyPr/>
+                    <a:lstStyle/>
+                    <a:p>
+                      <a:r>
+                        <a:rPr lang="en-US" dirty="0" smtClean="0"/>
+                        <a:t>(T, 0)</a:t>
+                      </a:r>
+                      <a:endParaRPr lang="ru-RU" dirty="0"/>
+                    </a:p>
+                  </a:txBody>
+                  <a:tcPr/>
+                </a:tc>
+                <a:tc>
+                  <a:txBody>
+                    <a:bodyPr/>
+                    <a:lstStyle/>
+                    <a:p>
+                      <a:r>
+                        <a:rPr lang="en-US" dirty="0" smtClean="0"/>
+                        <a:t>(0, 0)</a:t>
+                      </a:r>
+                      <a:endParaRPr lang="ru-RU" dirty="0"/>
+                    </a:p>
+                  </a:txBody>
+                  <a:tcPr/>
+                </a:tc>
+                <a:extLst>
+                  <a:ext uri="{0D108BD9-81ED-4DB2-BD59-A6C34878D82A}">
+                    <a16:rowId xmlns:a16="http://schemas.microsoft.com/office/drawing/2014/main" val="4239663797"/>
+                  </a:ext>
+                </a:extLst>
+              </a:tr>
+            </a:tbl>
+          </a:graphicData>
+        </a:graphic>
+      </p:graphicFrame>
     </p:spTree>
     <p:extLst>
       <p:ext uri="{BB962C8B-B14F-4D97-AF65-F5344CB8AC3E}">
